--- a/docs/Design Pattern - Introduction and Demo with PHP.pptx
+++ b/docs/Design Pattern - Introduction and Demo with PHP.pptx
@@ -13,7 +13,10 @@
     <p:sldId id="260" r:id="rId7"/>
     <p:sldId id="261" r:id="rId8"/>
     <p:sldId id="262" r:id="rId9"/>
-    <p:sldId id="264" r:id="rId10"/>
+    <p:sldId id="265" r:id="rId10"/>
+    <p:sldId id="266" r:id="rId11"/>
+    <p:sldId id="267" r:id="rId12"/>
+    <p:sldId id="264" r:id="rId13"/>
   </p:sldIdLst>
   <p:sldSz cx="12192000" cy="6858000"/>
   <p:notesSz cx="6858000" cy="9144000"/>
@@ -843,7 +846,7 @@
             <a:fld id="{B61BEF0D-F0BB-DE4B-95CE-6DB70DBA9567}" type="datetimeFigureOut">
               <a:rPr lang="en-US" dirty="0"/>
               <a:pPr/>
-              <a:t>12/15/2022</a:t>
+              <a:t>12/16/2022</a:t>
             </a:fld>
             <a:endParaRPr lang="en-US" dirty="0"/>
           </a:p>
@@ -1091,7 +1094,7 @@
             <a:fld id="{B61BEF0D-F0BB-DE4B-95CE-6DB70DBA9567}" type="datetimeFigureOut">
               <a:rPr lang="en-US" dirty="0"/>
               <a:pPr/>
-              <a:t>12/15/2022</a:t>
+              <a:t>12/16/2022</a:t>
             </a:fld>
             <a:endParaRPr lang="en-US" dirty="0"/>
           </a:p>
@@ -1402,7 +1405,7 @@
             <a:fld id="{B61BEF0D-F0BB-DE4B-95CE-6DB70DBA9567}" type="datetimeFigureOut">
               <a:rPr lang="en-US" dirty="0"/>
               <a:pPr/>
-              <a:t>12/15/2022</a:t>
+              <a:t>12/16/2022</a:t>
             </a:fld>
             <a:endParaRPr lang="en-US" dirty="0"/>
           </a:p>
@@ -1740,7 +1743,7 @@
             <a:fld id="{B61BEF0D-F0BB-DE4B-95CE-6DB70DBA9567}" type="datetimeFigureOut">
               <a:rPr lang="en-US" dirty="0"/>
               <a:pPr/>
-              <a:t>12/15/2022</a:t>
+              <a:t>12/16/2022</a:t>
             </a:fld>
             <a:endParaRPr lang="en-US" dirty="0"/>
           </a:p>
@@ -2051,7 +2054,7 @@
             <a:fld id="{B61BEF0D-F0BB-DE4B-95CE-6DB70DBA9567}" type="datetimeFigureOut">
               <a:rPr lang="en-US" dirty="0"/>
               <a:pPr/>
-              <a:t>12/15/2022</a:t>
+              <a:t>12/16/2022</a:t>
             </a:fld>
             <a:endParaRPr lang="en-US" dirty="0"/>
           </a:p>
@@ -2441,7 +2444,7 @@
             <a:fld id="{B61BEF0D-F0BB-DE4B-95CE-6DB70DBA9567}" type="datetimeFigureOut">
               <a:rPr lang="en-US" dirty="0"/>
               <a:pPr/>
-              <a:t>12/15/2022</a:t>
+              <a:t>12/16/2022</a:t>
             </a:fld>
             <a:endParaRPr lang="en-US" dirty="0"/>
           </a:p>
@@ -2607,7 +2610,7 @@
           <a:p>
             <a:fld id="{55C6B4A9-1611-4792-9094-5F34BCA07E0B}" type="datetimeFigureOut">
               <a:rPr lang="en-US" dirty="0"/>
-              <a:t>12/15/2022</a:t>
+              <a:t>12/16/2022</a:t>
             </a:fld>
             <a:endParaRPr lang="en-US" dirty="0"/>
           </a:p>
@@ -2783,7 +2786,7 @@
             <a:fld id="{B61BEF0D-F0BB-DE4B-95CE-6DB70DBA9567}" type="datetimeFigureOut">
               <a:rPr lang="en-US" dirty="0"/>
               <a:pPr/>
-              <a:t>12/15/2022</a:t>
+              <a:t>12/16/2022</a:t>
             </a:fld>
             <a:endParaRPr lang="en-US" dirty="0"/>
           </a:p>
@@ -2956,7 +2959,7 @@
             <a:fld id="{B61BEF0D-F0BB-DE4B-95CE-6DB70DBA9567}" type="datetimeFigureOut">
               <a:rPr lang="en-US" dirty="0"/>
               <a:pPr/>
-              <a:t>12/15/2022</a:t>
+              <a:t>12/16/2022</a:t>
             </a:fld>
             <a:endParaRPr lang="en-US" dirty="0"/>
           </a:p>
@@ -3200,7 +3203,7 @@
             <a:fld id="{B61BEF0D-F0BB-DE4B-95CE-6DB70DBA9567}" type="datetimeFigureOut">
               <a:rPr lang="en-US" dirty="0"/>
               <a:pPr/>
-              <a:t>12/15/2022</a:t>
+              <a:t>12/16/2022</a:t>
             </a:fld>
             <a:endParaRPr lang="en-US" dirty="0"/>
           </a:p>
@@ -3428,7 +3431,7 @@
           <a:p>
             <a:fld id="{EB712588-04B1-427B-82EE-E8DB90309F08}" type="datetimeFigureOut">
               <a:rPr lang="en-US" dirty="0"/>
-              <a:t>12/15/2022</a:t>
+              <a:t>12/16/2022</a:t>
             </a:fld>
             <a:endParaRPr lang="en-US" dirty="0"/>
           </a:p>
@@ -3798,7 +3801,7 @@
             <a:fld id="{B61BEF0D-F0BB-DE4B-95CE-6DB70DBA9567}" type="datetimeFigureOut">
               <a:rPr lang="en-US" dirty="0"/>
               <a:pPr/>
-              <a:t>12/15/2022</a:t>
+              <a:t>12/16/2022</a:t>
             </a:fld>
             <a:endParaRPr lang="en-US" dirty="0"/>
           </a:p>
@@ -3918,7 +3921,7 @@
             <a:fld id="{B61BEF0D-F0BB-DE4B-95CE-6DB70DBA9567}" type="datetimeFigureOut">
               <a:rPr lang="en-US" dirty="0"/>
               <a:pPr/>
-              <a:t>12/15/2022</a:t>
+              <a:t>12/16/2022</a:t>
             </a:fld>
             <a:endParaRPr lang="en-US" dirty="0"/>
           </a:p>
@@ -4010,7 +4013,7 @@
             <a:fld id="{B61BEF0D-F0BB-DE4B-95CE-6DB70DBA9567}" type="datetimeFigureOut">
               <a:rPr lang="en-US" dirty="0"/>
               <a:pPr/>
-              <a:t>12/15/2022</a:t>
+              <a:t>12/16/2022</a:t>
             </a:fld>
             <a:endParaRPr lang="en-US" dirty="0"/>
           </a:p>
@@ -4261,7 +4264,7 @@
           <a:p>
             <a:fld id="{42A54C80-263E-416B-A8E0-580EDEADCBDC}" type="datetimeFigureOut">
               <a:rPr lang="en-US" dirty="0"/>
-              <a:t>12/15/2022</a:t>
+              <a:t>12/16/2022</a:t>
             </a:fld>
             <a:endParaRPr lang="en-US" dirty="0"/>
           </a:p>
@@ -4520,7 +4523,7 @@
             <a:fld id="{B61BEF0D-F0BB-DE4B-95CE-6DB70DBA9567}" type="datetimeFigureOut">
               <a:rPr lang="en-US" dirty="0"/>
               <a:pPr/>
-              <a:t>12/15/2022</a:t>
+              <a:t>12/16/2022</a:t>
             </a:fld>
             <a:endParaRPr lang="en-US" dirty="0"/>
           </a:p>
@@ -5260,7 +5263,7 @@
             <a:fld id="{B61BEF0D-F0BB-DE4B-95CE-6DB70DBA9567}" type="datetimeFigureOut">
               <a:rPr lang="en-US" dirty="0"/>
               <a:pPr/>
-              <a:t>12/15/2022</a:t>
+              <a:t>12/16/2022</a:t>
             </a:fld>
             <a:endParaRPr lang="en-US" dirty="0"/>
           </a:p>
@@ -5915,6 +5918,590 @@
 </p:sld>
 </file>
 
+<file path=ppt/slides/slide10.xml><?xml version="1.0" encoding="utf-8"?>
+<p:sld xmlns:a="http://schemas.openxmlformats.org/drawingml/2006/main" xmlns:r="http://schemas.openxmlformats.org/officeDocument/2006/relationships" xmlns:p="http://schemas.openxmlformats.org/presentationml/2006/main">
+  <p:cSld>
+    <p:spTree>
+      <p:nvGrpSpPr>
+        <p:cNvPr id="1" name=""/>
+        <p:cNvGrpSpPr/>
+        <p:nvPr/>
+      </p:nvGrpSpPr>
+      <p:grpSpPr>
+        <a:xfrm>
+          <a:off x="0" y="0"/>
+          <a:ext cx="0" cy="0"/>
+          <a:chOff x="0" y="0"/>
+          <a:chExt cx="0" cy="0"/>
+        </a:xfrm>
+      </p:grpSpPr>
+      <p:sp>
+        <p:nvSpPr>
+          <p:cNvPr id="2" name="Title 1"/>
+          <p:cNvSpPr>
+            <a:spLocks noGrp="1"/>
+          </p:cNvSpPr>
+          <p:nvPr>
+            <p:ph type="title"/>
+          </p:nvPr>
+        </p:nvSpPr>
+        <p:spPr>
+          <a:xfrm>
+            <a:off x="677334" y="609600"/>
+            <a:ext cx="2331873" cy="687185"/>
+          </a:xfrm>
+        </p:spPr>
+        <p:txBody>
+          <a:bodyPr>
+            <a:normAutofit fontScale="90000"/>
+          </a:bodyPr>
+          <a:lstStyle/>
+          <a:p>
+            <a:r>
+              <a:rPr lang="en-US" b="1" dirty="0">
+                <a:latin typeface="Times New Roman" panose="02020603050405020304" pitchFamily="18" charset="0"/>
+                <a:cs typeface="Times New Roman" panose="02020603050405020304" pitchFamily="18" charset="0"/>
+              </a:rPr>
+              <a:t>Singleton</a:t>
+            </a:r>
+            <a:r>
+              <a:rPr lang="en-US" b="1" dirty="0"/>
+              <a:t/>
+            </a:r>
+            <a:br>
+              <a:rPr lang="en-US" b="1" dirty="0"/>
+            </a:br>
+            <a:endParaRPr lang="en-US" dirty="0"/>
+          </a:p>
+        </p:txBody>
+      </p:sp>
+      <p:sp>
+        <p:nvSpPr>
+          <p:cNvPr id="3" name="Content Placeholder 2"/>
+          <p:cNvSpPr>
+            <a:spLocks noGrp="1"/>
+          </p:cNvSpPr>
+          <p:nvPr>
+            <p:ph idx="1"/>
+          </p:nvPr>
+        </p:nvSpPr>
+        <p:spPr>
+          <a:xfrm>
+            <a:off x="677334" y="1595324"/>
+            <a:ext cx="9337648" cy="4215272"/>
+          </a:xfrm>
+        </p:spPr>
+        <p:txBody>
+          <a:bodyPr/>
+          <a:lstStyle/>
+          <a:p>
+            <a:r>
+              <a:rPr lang="en-US" b="1" dirty="0" smtClean="0">
+                <a:latin typeface="Times New Roman" panose="02020603050405020304" pitchFamily="18" charset="0"/>
+                <a:cs typeface="Times New Roman" panose="02020603050405020304" pitchFamily="18" charset="0"/>
+              </a:rPr>
+              <a:t>Problem : </a:t>
+            </a:r>
+            <a:r>
+              <a:rPr lang="en-US" dirty="0">
+                <a:latin typeface="Times New Roman" panose="02020603050405020304" pitchFamily="18" charset="0"/>
+                <a:cs typeface="Times New Roman" panose="02020603050405020304" pitchFamily="18" charset="0"/>
+              </a:rPr>
+              <a:t>The Singleton pattern solves two problems at the same time, violating the </a:t>
+            </a:r>
+            <a:r>
+              <a:rPr lang="en-US" i="1" dirty="0">
+                <a:latin typeface="Times New Roman" panose="02020603050405020304" pitchFamily="18" charset="0"/>
+                <a:cs typeface="Times New Roman" panose="02020603050405020304" pitchFamily="18" charset="0"/>
+              </a:rPr>
+              <a:t>Single Responsibility Principle</a:t>
+            </a:r>
+            <a:endParaRPr lang="en-US" b="1" dirty="0" smtClean="0">
+              <a:latin typeface="Times New Roman" panose="02020603050405020304" pitchFamily="18" charset="0"/>
+              <a:cs typeface="Times New Roman" panose="02020603050405020304" pitchFamily="18" charset="0"/>
+            </a:endParaRPr>
+          </a:p>
+          <a:p>
+            <a:pPr lvl="1"/>
+            <a:r>
+              <a:rPr lang="en-US" b="1" dirty="0">
+                <a:latin typeface="Times New Roman" panose="02020603050405020304" pitchFamily="18" charset="0"/>
+                <a:cs typeface="Times New Roman" panose="02020603050405020304" pitchFamily="18" charset="0"/>
+              </a:rPr>
+              <a:t>Ensure that a class has just a single </a:t>
+            </a:r>
+            <a:r>
+              <a:rPr lang="en-US" b="1" dirty="0" smtClean="0">
+                <a:latin typeface="Times New Roman" panose="02020603050405020304" pitchFamily="18" charset="0"/>
+                <a:cs typeface="Times New Roman" panose="02020603050405020304" pitchFamily="18" charset="0"/>
+              </a:rPr>
+              <a:t>instance</a:t>
+            </a:r>
+          </a:p>
+          <a:p>
+            <a:pPr lvl="1"/>
+            <a:r>
+              <a:rPr lang="en-US" b="1" dirty="0">
+                <a:latin typeface="Times New Roman" panose="02020603050405020304" pitchFamily="18" charset="0"/>
+                <a:cs typeface="Times New Roman" panose="02020603050405020304" pitchFamily="18" charset="0"/>
+              </a:rPr>
+              <a:t>Provide a global access point to that instance</a:t>
+            </a:r>
+          </a:p>
+          <a:p>
+            <a:endParaRPr lang="en-US" dirty="0"/>
+          </a:p>
+        </p:txBody>
+      </p:sp>
+      <p:pic>
+        <p:nvPicPr>
+          <p:cNvPr id="4" name="Picture 3"/>
+          <p:cNvPicPr>
+            <a:picLocks noChangeAspect="1"/>
+          </p:cNvPicPr>
+          <p:nvPr/>
+        </p:nvPicPr>
+        <p:blipFill>
+          <a:blip r:embed="rId2">
+            <a:extLst>
+              <a:ext uri="{28A0092B-C50C-407E-A947-70E740481C1C}">
+                <a14:useLocalDpi xmlns:a14="http://schemas.microsoft.com/office/drawing/2010/main" val="0"/>
+              </a:ext>
+            </a:extLst>
+          </a:blip>
+          <a:stretch>
+            <a:fillRect/>
+          </a:stretch>
+        </p:blipFill>
+        <p:spPr>
+          <a:xfrm>
+            <a:off x="1729046" y="3075708"/>
+            <a:ext cx="5677363" cy="2734888"/>
+          </a:xfrm>
+          <a:prstGeom prst="rect">
+            <a:avLst/>
+          </a:prstGeom>
+        </p:spPr>
+      </p:pic>
+      <p:pic>
+        <p:nvPicPr>
+          <p:cNvPr id="5" name="Picture 4"/>
+          <p:cNvPicPr>
+            <a:picLocks noChangeAspect="1"/>
+          </p:cNvPicPr>
+          <p:nvPr/>
+        </p:nvPicPr>
+        <p:blipFill>
+          <a:blip r:embed="rId3">
+            <a:extLst>
+              <a:ext uri="{28A0092B-C50C-407E-A947-70E740481C1C}">
+                <a14:useLocalDpi xmlns:a14="http://schemas.microsoft.com/office/drawing/2010/main" val="0"/>
+              </a:ext>
+            </a:extLst>
+          </a:blip>
+          <a:stretch>
+            <a:fillRect/>
+          </a:stretch>
+        </p:blipFill>
+        <p:spPr>
+          <a:xfrm>
+            <a:off x="7953263" y="777549"/>
+            <a:ext cx="1155728" cy="351285"/>
+          </a:xfrm>
+          <a:prstGeom prst="rect">
+            <a:avLst/>
+          </a:prstGeom>
+        </p:spPr>
+      </p:pic>
+    </p:spTree>
+    <p:extLst>
+      <p:ext uri="{BB962C8B-B14F-4D97-AF65-F5344CB8AC3E}">
+        <p14:creationId xmlns:p14="http://schemas.microsoft.com/office/powerpoint/2010/main" val="161171621"/>
+      </p:ext>
+    </p:extLst>
+  </p:cSld>
+  <p:clrMapOvr>
+    <a:masterClrMapping/>
+  </p:clrMapOvr>
+</p:sld>
+</file>
+
+<file path=ppt/slides/slide11.xml><?xml version="1.0" encoding="utf-8"?>
+<p:sld xmlns:a="http://schemas.openxmlformats.org/drawingml/2006/main" xmlns:r="http://schemas.openxmlformats.org/officeDocument/2006/relationships" xmlns:p="http://schemas.openxmlformats.org/presentationml/2006/main">
+  <p:cSld>
+    <p:spTree>
+      <p:nvGrpSpPr>
+        <p:cNvPr id="1" name=""/>
+        <p:cNvGrpSpPr/>
+        <p:nvPr/>
+      </p:nvGrpSpPr>
+      <p:grpSpPr>
+        <a:xfrm>
+          <a:off x="0" y="0"/>
+          <a:ext cx="0" cy="0"/>
+          <a:chOff x="0" y="0"/>
+          <a:chExt cx="0" cy="0"/>
+        </a:xfrm>
+      </p:grpSpPr>
+      <p:sp>
+        <p:nvSpPr>
+          <p:cNvPr id="2" name="Title 1"/>
+          <p:cNvSpPr>
+            <a:spLocks noGrp="1"/>
+          </p:cNvSpPr>
+          <p:nvPr>
+            <p:ph type="title"/>
+          </p:nvPr>
+        </p:nvSpPr>
+        <p:spPr>
+          <a:xfrm>
+            <a:off x="677334" y="609600"/>
+            <a:ext cx="2223808" cy="737062"/>
+          </a:xfrm>
+        </p:spPr>
+        <p:txBody>
+          <a:bodyPr/>
+          <a:lstStyle/>
+          <a:p>
+            <a:r>
+              <a:rPr lang="en-US" b="1" dirty="0">
+                <a:latin typeface="Times New Roman" panose="02020603050405020304" pitchFamily="18" charset="0"/>
+                <a:cs typeface="Times New Roman" panose="02020603050405020304" pitchFamily="18" charset="0"/>
+              </a:rPr>
+              <a:t>Singleton</a:t>
+            </a:r>
+            <a:endParaRPr lang="en-US" dirty="0"/>
+          </a:p>
+        </p:txBody>
+      </p:sp>
+      <p:sp>
+        <p:nvSpPr>
+          <p:cNvPr id="3" name="Content Placeholder 2"/>
+          <p:cNvSpPr>
+            <a:spLocks noGrp="1"/>
+          </p:cNvSpPr>
+          <p:nvPr>
+            <p:ph idx="1"/>
+          </p:nvPr>
+        </p:nvSpPr>
+        <p:spPr>
+          <a:xfrm>
+            <a:off x="735523" y="1678451"/>
+            <a:ext cx="4360179" cy="3880773"/>
+          </a:xfrm>
+        </p:spPr>
+        <p:txBody>
+          <a:bodyPr/>
+          <a:lstStyle/>
+          <a:p>
+            <a:r>
+              <a:rPr lang="en-US" b="1" dirty="0" smtClean="0">
+                <a:latin typeface="Times New Roman" panose="02020603050405020304" pitchFamily="18" charset="0"/>
+                <a:cs typeface="Times New Roman" panose="02020603050405020304" pitchFamily="18" charset="0"/>
+              </a:rPr>
+              <a:t>Structure</a:t>
+            </a:r>
+            <a:endParaRPr lang="en-US" dirty="0" smtClean="0">
+              <a:latin typeface="Times New Roman" panose="02020603050405020304" pitchFamily="18" charset="0"/>
+              <a:cs typeface="Times New Roman" panose="02020603050405020304" pitchFamily="18" charset="0"/>
+            </a:endParaRPr>
+          </a:p>
+          <a:p>
+            <a:pPr lvl="1"/>
+            <a:r>
+              <a:rPr lang="en-US" altLang="en-US" dirty="0">
+                <a:solidFill>
+                  <a:srgbClr val="444444"/>
+                </a:solidFill>
+                <a:latin typeface="Times New Roman" panose="02020603050405020304" pitchFamily="18" charset="0"/>
+                <a:cs typeface="Times New Roman" panose="02020603050405020304" pitchFamily="18" charset="0"/>
+              </a:rPr>
+              <a:t>The Singleton class declares the static method </a:t>
+            </a:r>
+            <a:r>
+              <a:rPr lang="en-US" altLang="en-US" b="1" i="1" dirty="0" err="1">
+                <a:solidFill>
+                  <a:srgbClr val="444444"/>
+                </a:solidFill>
+                <a:latin typeface="Times New Roman" panose="02020603050405020304" pitchFamily="18" charset="0"/>
+                <a:cs typeface="Times New Roman" panose="02020603050405020304" pitchFamily="18" charset="0"/>
+              </a:rPr>
+              <a:t>getInstance</a:t>
+            </a:r>
+            <a:r>
+              <a:rPr lang="en-US" altLang="en-US" dirty="0">
+                <a:solidFill>
+                  <a:srgbClr val="444444"/>
+                </a:solidFill>
+                <a:latin typeface="Times New Roman" panose="02020603050405020304" pitchFamily="18" charset="0"/>
+                <a:cs typeface="Times New Roman" panose="02020603050405020304" pitchFamily="18" charset="0"/>
+              </a:rPr>
+              <a:t> that returns the same instance of its own class</a:t>
+            </a:r>
+            <a:r>
+              <a:rPr lang="en-US" altLang="en-US" sz="1200" dirty="0">
+                <a:solidFill>
+                  <a:schemeClr val="tx1"/>
+                </a:solidFill>
+                <a:latin typeface="Times New Roman" panose="02020603050405020304" pitchFamily="18" charset="0"/>
+                <a:cs typeface="Times New Roman" panose="02020603050405020304" pitchFamily="18" charset="0"/>
+              </a:rPr>
+              <a:t> </a:t>
+            </a:r>
+            <a:endParaRPr lang="en-US" altLang="en-US" sz="3800" dirty="0">
+              <a:solidFill>
+                <a:schemeClr val="tx1"/>
+              </a:solidFill>
+              <a:latin typeface="Times New Roman" panose="02020603050405020304" pitchFamily="18" charset="0"/>
+              <a:cs typeface="Times New Roman" panose="02020603050405020304" pitchFamily="18" charset="0"/>
+            </a:endParaRPr>
+          </a:p>
+          <a:p>
+            <a:pPr lvl="1"/>
+            <a:r>
+              <a:rPr lang="en-US" dirty="0">
+                <a:latin typeface="Times New Roman" panose="02020603050405020304" pitchFamily="18" charset="0"/>
+                <a:cs typeface="Times New Roman" panose="02020603050405020304" pitchFamily="18" charset="0"/>
+              </a:rPr>
+              <a:t>The Singleton’s constructor should be hidden from the client code. Calling the </a:t>
+            </a:r>
+            <a:r>
+              <a:rPr lang="en-US" b="1" i="1" dirty="0" err="1">
+                <a:latin typeface="Times New Roman" panose="02020603050405020304" pitchFamily="18" charset="0"/>
+                <a:cs typeface="Times New Roman" panose="02020603050405020304" pitchFamily="18" charset="0"/>
+              </a:rPr>
+              <a:t>getInstance</a:t>
+            </a:r>
+            <a:r>
+              <a:rPr lang="en-US" dirty="0">
+                <a:latin typeface="Times New Roman" panose="02020603050405020304" pitchFamily="18" charset="0"/>
+                <a:cs typeface="Times New Roman" panose="02020603050405020304" pitchFamily="18" charset="0"/>
+              </a:rPr>
+              <a:t> method should be the only way of getting the Singleton object.</a:t>
+            </a:r>
+            <a:endParaRPr lang="en-US" dirty="0">
+              <a:latin typeface="Times New Roman" panose="02020603050405020304" pitchFamily="18" charset="0"/>
+              <a:cs typeface="Times New Roman" panose="02020603050405020304" pitchFamily="18" charset="0"/>
+            </a:endParaRPr>
+          </a:p>
+        </p:txBody>
+      </p:sp>
+      <p:pic>
+        <p:nvPicPr>
+          <p:cNvPr id="8" name="Picture 7"/>
+          <p:cNvPicPr>
+            <a:picLocks noChangeAspect="1"/>
+          </p:cNvPicPr>
+          <p:nvPr/>
+        </p:nvPicPr>
+        <p:blipFill>
+          <a:blip r:embed="rId2">
+            <a:extLst>
+              <a:ext uri="{28A0092B-C50C-407E-A947-70E740481C1C}">
+                <a14:useLocalDpi xmlns:a14="http://schemas.microsoft.com/office/drawing/2010/main" val="0"/>
+              </a:ext>
+            </a:extLst>
+          </a:blip>
+          <a:stretch>
+            <a:fillRect/>
+          </a:stretch>
+        </p:blipFill>
+        <p:spPr>
+          <a:xfrm>
+            <a:off x="5211906" y="1956435"/>
+            <a:ext cx="4095750" cy="2762250"/>
+          </a:xfrm>
+          <a:prstGeom prst="rect">
+            <a:avLst/>
+          </a:prstGeom>
+        </p:spPr>
+      </p:pic>
+      <p:pic>
+        <p:nvPicPr>
+          <p:cNvPr id="9" name="Picture 8"/>
+          <p:cNvPicPr>
+            <a:picLocks noChangeAspect="1"/>
+          </p:cNvPicPr>
+          <p:nvPr/>
+        </p:nvPicPr>
+        <p:blipFill>
+          <a:blip r:embed="rId3">
+            <a:extLst>
+              <a:ext uri="{28A0092B-C50C-407E-A947-70E740481C1C}">
+                <a14:useLocalDpi xmlns:a14="http://schemas.microsoft.com/office/drawing/2010/main" val="0"/>
+              </a:ext>
+            </a:extLst>
+          </a:blip>
+          <a:stretch>
+            <a:fillRect/>
+          </a:stretch>
+        </p:blipFill>
+        <p:spPr>
+          <a:xfrm>
+            <a:off x="7098301" y="698271"/>
+            <a:ext cx="1668280" cy="507076"/>
+          </a:xfrm>
+          <a:prstGeom prst="rect">
+            <a:avLst/>
+          </a:prstGeom>
+        </p:spPr>
+      </p:pic>
+    </p:spTree>
+    <p:extLst>
+      <p:ext uri="{BB962C8B-B14F-4D97-AF65-F5344CB8AC3E}">
+        <p14:creationId xmlns:p14="http://schemas.microsoft.com/office/powerpoint/2010/main" val="69915749"/>
+      </p:ext>
+    </p:extLst>
+  </p:cSld>
+  <p:clrMapOvr>
+    <a:masterClrMapping/>
+  </p:clrMapOvr>
+</p:sld>
+</file>
+
+<file path=ppt/slides/slide12.xml><?xml version="1.0" encoding="utf-8"?>
+<p:sld xmlns:a="http://schemas.openxmlformats.org/drawingml/2006/main" xmlns:r="http://schemas.openxmlformats.org/officeDocument/2006/relationships" xmlns:p="http://schemas.openxmlformats.org/presentationml/2006/main">
+  <p:cSld>
+    <p:spTree>
+      <p:nvGrpSpPr>
+        <p:cNvPr id="1" name=""/>
+        <p:cNvGrpSpPr/>
+        <p:nvPr/>
+      </p:nvGrpSpPr>
+      <p:grpSpPr>
+        <a:xfrm>
+          <a:off x="0" y="0"/>
+          <a:ext cx="0" cy="0"/>
+          <a:chOff x="0" y="0"/>
+          <a:chExt cx="0" cy="0"/>
+        </a:xfrm>
+      </p:grpSpPr>
+      <p:sp>
+        <p:nvSpPr>
+          <p:cNvPr id="2" name="Title 1"/>
+          <p:cNvSpPr>
+            <a:spLocks noGrp="1"/>
+          </p:cNvSpPr>
+          <p:nvPr>
+            <p:ph type="title"/>
+          </p:nvPr>
+        </p:nvSpPr>
+        <p:spPr/>
+        <p:txBody>
+          <a:bodyPr/>
+          <a:lstStyle/>
+          <a:p>
+            <a:r>
+              <a:rPr lang="en-US" dirty="0" smtClean="0">
+                <a:latin typeface="Times New Roman" panose="02020603050405020304" pitchFamily="18" charset="0"/>
+                <a:cs typeface="Times New Roman" panose="02020603050405020304" pitchFamily="18" charset="0"/>
+              </a:rPr>
+              <a:t>Summary</a:t>
+            </a:r>
+            <a:endParaRPr lang="en-US" dirty="0">
+              <a:latin typeface="Times New Roman" panose="02020603050405020304" pitchFamily="18" charset="0"/>
+              <a:cs typeface="Times New Roman" panose="02020603050405020304" pitchFamily="18" charset="0"/>
+            </a:endParaRPr>
+          </a:p>
+        </p:txBody>
+      </p:sp>
+      <p:sp>
+        <p:nvSpPr>
+          <p:cNvPr id="3" name="Content Placeholder 2"/>
+          <p:cNvSpPr>
+            <a:spLocks noGrp="1"/>
+          </p:cNvSpPr>
+          <p:nvPr>
+            <p:ph idx="1"/>
+          </p:nvPr>
+        </p:nvSpPr>
+        <p:spPr>
+          <a:xfrm>
+            <a:off x="677334" y="2160589"/>
+            <a:ext cx="8596668" cy="3001615"/>
+          </a:xfrm>
+        </p:spPr>
+        <p:txBody>
+          <a:bodyPr/>
+          <a:lstStyle/>
+          <a:p>
+            <a:pPr lvl="0"/>
+            <a:r>
+              <a:rPr lang="en-GB" dirty="0">
+                <a:latin typeface="Times New Roman" panose="02020603050405020304" pitchFamily="18" charset="0"/>
+                <a:cs typeface="Times New Roman" panose="02020603050405020304" pitchFamily="18" charset="0"/>
+              </a:rPr>
+              <a:t>What is a Design Pattern?</a:t>
+            </a:r>
+            <a:endParaRPr lang="en-US" dirty="0">
+              <a:latin typeface="Times New Roman" panose="02020603050405020304" pitchFamily="18" charset="0"/>
+              <a:cs typeface="Times New Roman" panose="02020603050405020304" pitchFamily="18" charset="0"/>
+            </a:endParaRPr>
+          </a:p>
+          <a:p>
+            <a:pPr lvl="0"/>
+            <a:r>
+              <a:rPr lang="en-US" dirty="0">
+                <a:latin typeface="Times New Roman" panose="02020603050405020304" pitchFamily="18" charset="0"/>
+                <a:cs typeface="Times New Roman" panose="02020603050405020304" pitchFamily="18" charset="0"/>
+              </a:rPr>
+              <a:t>Design Patterns in Programming</a:t>
+            </a:r>
+          </a:p>
+          <a:p>
+            <a:pPr lvl="0"/>
+            <a:r>
+              <a:rPr lang="en-US" dirty="0">
+                <a:latin typeface="Times New Roman" panose="02020603050405020304" pitchFamily="18" charset="0"/>
+                <a:cs typeface="Times New Roman" panose="02020603050405020304" pitchFamily="18" charset="0"/>
+              </a:rPr>
+              <a:t>Where are design patterns applied?</a:t>
+            </a:r>
+            <a:endParaRPr lang="en-GB" dirty="0">
+              <a:latin typeface="Times New Roman" panose="02020603050405020304" pitchFamily="18" charset="0"/>
+              <a:cs typeface="Times New Roman" panose="02020603050405020304" pitchFamily="18" charset="0"/>
+            </a:endParaRPr>
+          </a:p>
+          <a:p>
+            <a:pPr marL="0" indent="0">
+              <a:buNone/>
+            </a:pPr>
+            <a:r>
+              <a:rPr lang="en-US" dirty="0" smtClean="0"/>
+              <a:t>                                                           </a:t>
+            </a:r>
+          </a:p>
+          <a:p>
+            <a:pPr marL="0" indent="0">
+              <a:buNone/>
+            </a:pPr>
+            <a:endParaRPr lang="en-US" dirty="0"/>
+          </a:p>
+          <a:p>
+            <a:pPr marL="0" indent="0">
+              <a:buNone/>
+            </a:pPr>
+            <a:r>
+              <a:rPr lang="en-US" sz="2000" dirty="0" smtClean="0"/>
+              <a:t>                                          Thanks you for watching !!!</a:t>
+            </a:r>
+            <a:endParaRPr lang="en-US" sz="2000" dirty="0"/>
+          </a:p>
+        </p:txBody>
+      </p:sp>
+    </p:spTree>
+    <p:extLst>
+      <p:ext uri="{BB962C8B-B14F-4D97-AF65-F5344CB8AC3E}">
+        <p14:creationId xmlns:p14="http://schemas.microsoft.com/office/powerpoint/2010/main" val="54217261"/>
+      </p:ext>
+    </p:extLst>
+  </p:cSld>
+  <p:clrMapOvr>
+    <a:masterClrMapping/>
+  </p:clrMapOvr>
+</p:sld>
+</file>
+
 <file path=ppt/slides/slide2.xml><?xml version="1.0" encoding="utf-8"?>
 <p:sld xmlns:a="http://schemas.openxmlformats.org/drawingml/2006/main" xmlns:r="http://schemas.openxmlformats.org/officeDocument/2006/relationships" xmlns:p="http://schemas.openxmlformats.org/presentationml/2006/main">
   <p:cSld>
@@ -7921,17 +8508,6 @@
               </a:rPr>
               <a:t>Dependency Injection: To implement a loosely coupled architecture in order to get better testable, maintainable and extendable code.</a:t>
             </a:r>
-            <a:endParaRPr lang="en-US" b="1" i="1" dirty="0">
-              <a:effectLst>
-                <a:outerShdw blurRad="38100" dist="38100" dir="2700000" algn="tl">
-                  <a:srgbClr val="000000">
-                    <a:alpha val="43137"/>
-                  </a:srgbClr>
-                </a:outerShdw>
-              </a:effectLst>
-              <a:latin typeface="Times New Roman" panose="02020603050405020304" pitchFamily="18" charset="0"/>
-              <a:cs typeface="Times New Roman" panose="02020603050405020304" pitchFamily="18" charset="0"/>
-            </a:endParaRPr>
           </a:p>
         </p:txBody>
       </p:sp>
@@ -8500,17 +9076,24 @@
             <p:ph type="title"/>
           </p:nvPr>
         </p:nvSpPr>
-        <p:spPr/>
-        <p:txBody>
-          <a:bodyPr/>
+        <p:spPr>
+          <a:xfrm>
+            <a:off x="677334" y="609600"/>
+            <a:ext cx="2240433" cy="612371"/>
+          </a:xfrm>
+        </p:spPr>
+        <p:txBody>
+          <a:bodyPr>
+            <a:normAutofit fontScale="90000"/>
+          </a:bodyPr>
           <a:lstStyle/>
           <a:p>
             <a:r>
-              <a:rPr lang="en-US" dirty="0" smtClean="0">
-                <a:latin typeface="Times New Roman" panose="02020603050405020304" pitchFamily="18" charset="0"/>
-                <a:cs typeface="Times New Roman" panose="02020603050405020304" pitchFamily="18" charset="0"/>
-              </a:rPr>
-              <a:t>Summary</a:t>
+              <a:rPr lang="en-US" b="1" dirty="0" smtClean="0">
+                <a:latin typeface="Times New Roman" panose="02020603050405020304" pitchFamily="18" charset="0"/>
+                <a:cs typeface="Times New Roman" panose="02020603050405020304" pitchFamily="18" charset="0"/>
+              </a:rPr>
+              <a:t>Singleton</a:t>
             </a:r>
             <a:endParaRPr lang="en-US" dirty="0">
               <a:latin typeface="Times New Roman" panose="02020603050405020304" pitchFamily="18" charset="0"/>
@@ -8531,82 +9114,125 @@
         </p:nvSpPr>
         <p:spPr>
           <a:xfrm>
-            <a:off x="677334" y="2160589"/>
-            <a:ext cx="8596668" cy="3001615"/>
+            <a:off x="677333" y="1645200"/>
+            <a:ext cx="8657859" cy="4689098"/>
           </a:xfrm>
         </p:spPr>
         <p:txBody>
           <a:bodyPr/>
           <a:lstStyle/>
           <a:p>
-            <a:pPr lvl="0"/>
-            <a:r>
-              <a:rPr lang="en-GB" dirty="0">
-                <a:latin typeface="Times New Roman" panose="02020603050405020304" pitchFamily="18" charset="0"/>
-                <a:cs typeface="Times New Roman" panose="02020603050405020304" pitchFamily="18" charset="0"/>
-              </a:rPr>
-              <a:t>What is a Design Pattern?</a:t>
-            </a:r>
-            <a:endParaRPr lang="en-US" dirty="0">
-              <a:latin typeface="Times New Roman" panose="02020603050405020304" pitchFamily="18" charset="0"/>
-              <a:cs typeface="Times New Roman" panose="02020603050405020304" pitchFamily="18" charset="0"/>
-            </a:endParaRPr>
-          </a:p>
-          <a:p>
-            <a:pPr lvl="0"/>
+            <a:r>
+              <a:rPr lang="en-US" b="1" i="1" dirty="0">
+                <a:latin typeface="Times New Roman" panose="02020603050405020304" pitchFamily="18" charset="0"/>
+                <a:cs typeface="Times New Roman" panose="02020603050405020304" pitchFamily="18" charset="0"/>
+              </a:rPr>
+              <a:t>Intent</a:t>
+            </a:r>
+          </a:p>
+          <a:p>
+            <a:pPr lvl="1"/>
+            <a:r>
+              <a:rPr lang="en-US" b="1" i="1" dirty="0">
+                <a:latin typeface="Times New Roman" panose="02020603050405020304" pitchFamily="18" charset="0"/>
+                <a:cs typeface="Times New Roman" panose="02020603050405020304" pitchFamily="18" charset="0"/>
+              </a:rPr>
+              <a:t>Singleton</a:t>
+            </a:r>
             <a:r>
               <a:rPr lang="en-US" dirty="0">
                 <a:latin typeface="Times New Roman" panose="02020603050405020304" pitchFamily="18" charset="0"/>
                 <a:cs typeface="Times New Roman" panose="02020603050405020304" pitchFamily="18" charset="0"/>
               </a:rPr>
-              <a:t>Design Patterns in Programming</a:t>
-            </a:r>
-          </a:p>
-          <a:p>
-            <a:pPr lvl="0"/>
-            <a:r>
-              <a:rPr lang="en-US" dirty="0">
-                <a:latin typeface="Times New Roman" panose="02020603050405020304" pitchFamily="18" charset="0"/>
-                <a:cs typeface="Times New Roman" panose="02020603050405020304" pitchFamily="18" charset="0"/>
-              </a:rPr>
-              <a:t>Where are design patterns applied?</a:t>
-            </a:r>
-            <a:endParaRPr lang="en-GB" dirty="0">
-              <a:latin typeface="Times New Roman" panose="02020603050405020304" pitchFamily="18" charset="0"/>
-              <a:cs typeface="Times New Roman" panose="02020603050405020304" pitchFamily="18" charset="0"/>
-            </a:endParaRPr>
-          </a:p>
-          <a:p>
-            <a:pPr marL="0" indent="0">
+              <a:t> is a creational design pattern that lets you ensure that a class has only one instance, while providing a global access point to this instance</a:t>
+            </a:r>
+            <a:r>
+              <a:rPr lang="en-US" dirty="0" smtClean="0">
+                <a:latin typeface="Times New Roman" panose="02020603050405020304" pitchFamily="18" charset="0"/>
+                <a:cs typeface="Times New Roman" panose="02020603050405020304" pitchFamily="18" charset="0"/>
+              </a:rPr>
+              <a:t>.</a:t>
+            </a:r>
+          </a:p>
+          <a:p>
+            <a:pPr marL="457200" lvl="1" indent="0">
               <a:buNone/>
             </a:pPr>
             <a:r>
-              <a:rPr lang="en-US" dirty="0" smtClean="0"/>
-              <a:t>                                                           </a:t>
-            </a:r>
-          </a:p>
-          <a:p>
-            <a:pPr marL="0" indent="0">
-              <a:buNone/>
-            </a:pPr>
+              <a:rPr lang="en-US" dirty="0"/>
+              <a:t/>
+            </a:r>
+            <a:br>
+              <a:rPr lang="en-US" dirty="0"/>
+            </a:br>
             <a:endParaRPr lang="en-US" dirty="0"/>
           </a:p>
-          <a:p>
-            <a:pPr marL="0" indent="0">
-              <a:buNone/>
-            </a:pPr>
-            <a:r>
-              <a:rPr lang="en-US" sz="2000" dirty="0" smtClean="0"/>
-              <a:t>                                          Thanks you for watching !!!</a:t>
-            </a:r>
-            <a:endParaRPr lang="en-US" sz="2000" dirty="0"/>
-          </a:p>
-        </p:txBody>
-      </p:sp>
+        </p:txBody>
+      </p:sp>
+      <p:pic>
+        <p:nvPicPr>
+          <p:cNvPr id="4" name="Picture 3"/>
+          <p:cNvPicPr>
+            <a:picLocks noChangeAspect="1"/>
+          </p:cNvPicPr>
+          <p:nvPr/>
+        </p:nvPicPr>
+        <p:blipFill>
+          <a:blip r:embed="rId2">
+            <a:extLst>
+              <a:ext uri="{28A0092B-C50C-407E-A947-70E740481C1C}">
+                <a14:useLocalDpi xmlns:a14="http://schemas.microsoft.com/office/drawing/2010/main" val="0"/>
+              </a:ext>
+            </a:extLst>
+          </a:blip>
+          <a:stretch>
+            <a:fillRect/>
+          </a:stretch>
+        </p:blipFill>
+        <p:spPr>
+          <a:xfrm>
+            <a:off x="2244435" y="2989947"/>
+            <a:ext cx="4779819" cy="2987386"/>
+          </a:xfrm>
+          <a:prstGeom prst="rect">
+            <a:avLst/>
+          </a:prstGeom>
+        </p:spPr>
+      </p:pic>
+      <p:pic>
+        <p:nvPicPr>
+          <p:cNvPr id="5" name="Picture 4"/>
+          <p:cNvPicPr>
+            <a:picLocks noChangeAspect="1"/>
+          </p:cNvPicPr>
+          <p:nvPr/>
+        </p:nvPicPr>
+        <p:blipFill>
+          <a:blip r:embed="rId3">
+            <a:extLst>
+              <a:ext uri="{28A0092B-C50C-407E-A947-70E740481C1C}">
+                <a14:useLocalDpi xmlns:a14="http://schemas.microsoft.com/office/drawing/2010/main" val="0"/>
+              </a:ext>
+            </a:extLst>
+          </a:blip>
+          <a:stretch>
+            <a:fillRect/>
+          </a:stretch>
+        </p:blipFill>
+        <p:spPr>
+          <a:xfrm>
+            <a:off x="7564582" y="719880"/>
+            <a:ext cx="1289055" cy="391810"/>
+          </a:xfrm>
+          <a:prstGeom prst="rect">
+            <a:avLst/>
+          </a:prstGeom>
+        </p:spPr>
+      </p:pic>
     </p:spTree>
     <p:extLst>
       <p:ext uri="{BB962C8B-B14F-4D97-AF65-F5344CB8AC3E}">
-        <p14:creationId xmlns:p14="http://schemas.microsoft.com/office/powerpoint/2010/main" val="54217261"/>
+        <p14:creationId xmlns:p14="http://schemas.microsoft.com/office/powerpoint/2010/main" val="3982066901"/>
       </p:ext>
     </p:extLst>
   </p:cSld>
